--- a/PPT/DeepLearning08-TensorFlow.pptx
+++ b/PPT/DeepLearning08-TensorFlow.pptx
@@ -3913,6 +3913,13 @@
   <p:clrMapOvr>
     <a:masterClrMapping/>
   </p:clrMapOvr>
+  <p:timing>
+    <p:tnLst>
+      <p:par>
+        <p:cTn id="1" dur="indefinite" restart="never" nodeType="tmRoot"/>
+      </p:par>
+    </p:tnLst>
+  </p:timing>
 </p:sld>
 </file>
 
@@ -4085,6 +4092,13 @@
   <p:clrMapOvr>
     <a:masterClrMapping/>
   </p:clrMapOvr>
+  <p:timing>
+    <p:tnLst>
+      <p:par>
+        <p:cTn id="1" dur="indefinite" restart="never" nodeType="tmRoot"/>
+      </p:par>
+    </p:tnLst>
+  </p:timing>
 </p:sld>
 </file>
 
@@ -4195,6 +4209,13 @@
   <p:clrMapOvr>
     <a:masterClrMapping/>
   </p:clrMapOvr>
+  <p:timing>
+    <p:tnLst>
+      <p:par>
+        <p:cTn id="1" dur="indefinite" restart="never" nodeType="tmRoot"/>
+      </p:par>
+    </p:tnLst>
+  </p:timing>
 </p:sld>
 </file>
 
@@ -4301,6 +4322,13 @@
   <p:clrMapOvr>
     <a:masterClrMapping/>
   </p:clrMapOvr>
+  <p:timing>
+    <p:tnLst>
+      <p:par>
+        <p:cTn id="1" dur="indefinite" restart="never" nodeType="tmRoot"/>
+      </p:par>
+    </p:tnLst>
+  </p:timing>
 </p:sld>
 </file>
 
@@ -4405,6 +4433,13 @@
   <p:clrMapOvr>
     <a:masterClrMapping/>
   </p:clrMapOvr>
+  <p:timing>
+    <p:tnLst>
+      <p:par>
+        <p:cTn id="1" dur="indefinite" restart="never" nodeType="tmRoot"/>
+      </p:par>
+    </p:tnLst>
+  </p:timing>
 </p:sld>
 </file>
 
@@ -4574,6 +4609,13 @@
   <p:clrMapOvr>
     <a:masterClrMapping/>
   </p:clrMapOvr>
+  <p:timing>
+    <p:tnLst>
+      <p:par>
+        <p:cTn id="1" dur="indefinite" restart="never" nodeType="tmRoot"/>
+      </p:par>
+    </p:tnLst>
+  </p:timing>
 </p:sld>
 </file>
 
@@ -4685,6 +4727,13 @@
   <p:clrMapOvr>
     <a:masterClrMapping/>
   </p:clrMapOvr>
+  <p:timing>
+    <p:tnLst>
+      <p:par>
+        <p:cTn id="1" dur="indefinite" restart="never" nodeType="tmRoot"/>
+      </p:par>
+    </p:tnLst>
+  </p:timing>
 </p:sld>
 </file>
 
@@ -4798,6 +4847,13 @@
   <p:clrMapOvr>
     <a:masterClrMapping/>
   </p:clrMapOvr>
+  <p:timing>
+    <p:tnLst>
+      <p:par>
+        <p:cTn id="1" dur="indefinite" restart="never" nodeType="tmRoot"/>
+      </p:par>
+    </p:tnLst>
+  </p:timing>
 </p:sld>
 </file>
 
@@ -4974,6 +5030,13 @@
   <p:clrMapOvr>
     <a:masterClrMapping/>
   </p:clrMapOvr>
+  <p:timing>
+    <p:tnLst>
+      <p:par>
+        <p:cTn id="1" dur="indefinite" restart="never" nodeType="tmRoot"/>
+      </p:par>
+    </p:tnLst>
+  </p:timing>
 </p:sld>
 </file>
 
@@ -5108,6 +5171,13 @@
   <p:clrMapOvr>
     <a:masterClrMapping/>
   </p:clrMapOvr>
+  <p:timing>
+    <p:tnLst>
+      <p:par>
+        <p:cTn id="1" dur="indefinite" restart="never" nodeType="tmRoot"/>
+      </p:par>
+    </p:tnLst>
+  </p:timing>
 </p:sld>
 </file>
 
@@ -5249,6 +5319,13 @@
   <p:clrMapOvr>
     <a:masterClrMapping/>
   </p:clrMapOvr>
+  <p:timing>
+    <p:tnLst>
+      <p:par>
+        <p:cTn id="1" dur="indefinite" restart="never" nodeType="tmRoot"/>
+      </p:par>
+    </p:tnLst>
+  </p:timing>
 </p:sld>
 </file>
 
@@ -5401,6 +5478,13 @@
   <p:clrMapOvr>
     <a:masterClrMapping/>
   </p:clrMapOvr>
+  <p:timing>
+    <p:tnLst>
+      <p:par>
+        <p:cTn id="1" dur="indefinite" restart="never" nodeType="tmRoot"/>
+      </p:par>
+    </p:tnLst>
+  </p:timing>
 </p:sld>
 </file>
 
@@ -5545,6 +5629,13 @@
   <p:clrMapOvr>
     <a:masterClrMapping/>
   </p:clrMapOvr>
+  <p:timing>
+    <p:tnLst>
+      <p:par>
+        <p:cTn id="1" dur="indefinite" restart="never" nodeType="tmRoot"/>
+      </p:par>
+    </p:tnLst>
+  </p:timing>
 </p:sld>
 </file>
 
@@ -5639,6 +5730,13 @@
   <p:clrMapOvr>
     <a:masterClrMapping/>
   </p:clrMapOvr>
+  <p:timing>
+    <p:tnLst>
+      <p:par>
+        <p:cTn id="1" dur="indefinite" restart="never" nodeType="tmRoot"/>
+      </p:par>
+    </p:tnLst>
+  </p:timing>
 </p:sld>
 </file>
 
@@ -5856,6 +5954,13 @@
   <p:clrMapOvr>
     <a:masterClrMapping/>
   </p:clrMapOvr>
+  <p:timing>
+    <p:tnLst>
+      <p:par>
+        <p:cTn id="1" dur="indefinite" restart="never" nodeType="tmRoot"/>
+      </p:par>
+    </p:tnLst>
+  </p:timing>
 </p:sld>
 </file>
 
@@ -5933,6 +6038,13 @@
   <p:clrMapOvr>
     <a:masterClrMapping/>
   </p:clrMapOvr>
+  <p:timing>
+    <p:tnLst>
+      <p:par>
+        <p:cTn id="1" dur="indefinite" restart="never" nodeType="tmRoot"/>
+      </p:par>
+    </p:tnLst>
+  </p:timing>
 </p:sld>
 </file>
 
@@ -6072,6 +6184,13 @@
   <p:clrMapOvr>
     <a:masterClrMapping/>
   </p:clrMapOvr>
+  <p:timing>
+    <p:tnLst>
+      <p:par>
+        <p:cTn id="1" dur="indefinite" restart="never" nodeType="tmRoot"/>
+      </p:par>
+    </p:tnLst>
+  </p:timing>
 </p:sld>
 </file>
 
@@ -6227,6 +6346,13 @@
   <p:clrMapOvr>
     <a:masterClrMapping/>
   </p:clrMapOvr>
+  <p:timing>
+    <p:tnLst>
+      <p:par>
+        <p:cTn id="1" dur="indefinite" restart="never" nodeType="tmRoot"/>
+      </p:par>
+    </p:tnLst>
+  </p:timing>
 </p:sld>
 </file>
 
@@ -6433,6 +6559,13 @@
   <p:clrMapOvr>
     <a:masterClrMapping/>
   </p:clrMapOvr>
+  <p:timing>
+    <p:tnLst>
+      <p:par>
+        <p:cTn id="1" dur="indefinite" restart="never" nodeType="tmRoot"/>
+      </p:par>
+    </p:tnLst>
+  </p:timing>
 </p:sld>
 </file>
 
@@ -6588,6 +6721,13 @@
   <p:clrMapOvr>
     <a:masterClrMapping/>
   </p:clrMapOvr>
+  <p:timing>
+    <p:tnLst>
+      <p:par>
+        <p:cTn id="1" dur="indefinite" restart="never" nodeType="tmRoot"/>
+      </p:par>
+    </p:tnLst>
+  </p:timing>
 </p:sld>
 </file>
 
@@ -6753,6 +6893,13 @@
   <p:clrMapOvr>
     <a:masterClrMapping/>
   </p:clrMapOvr>
+  <p:timing>
+    <p:tnLst>
+      <p:par>
+        <p:cTn id="1" dur="indefinite" restart="never" nodeType="tmRoot"/>
+      </p:par>
+    </p:tnLst>
+  </p:timing>
 </p:sld>
 </file>
 
@@ -6926,6 +7073,13 @@
   <p:clrMapOvr>
     <a:masterClrMapping/>
   </p:clrMapOvr>
+  <p:timing>
+    <p:tnLst>
+      <p:par>
+        <p:cTn id="1" dur="indefinite" restart="never" nodeType="tmRoot"/>
+      </p:par>
+    </p:tnLst>
+  </p:timing>
 </p:sld>
 </file>
 
@@ -7119,6 +7273,13 @@
   <p:clrMapOvr>
     <a:masterClrMapping/>
   </p:clrMapOvr>
+  <p:timing>
+    <p:tnLst>
+      <p:par>
+        <p:cTn id="1" dur="indefinite" restart="never" nodeType="tmRoot"/>
+      </p:par>
+    </p:tnLst>
+  </p:timing>
 </p:sld>
 </file>
 
@@ -7281,6 +7442,13 @@
   <p:clrMapOvr>
     <a:masterClrMapping/>
   </p:clrMapOvr>
+  <p:timing>
+    <p:tnLst>
+      <p:par>
+        <p:cTn id="1" dur="indefinite" restart="never" nodeType="tmRoot"/>
+      </p:par>
+    </p:tnLst>
+  </p:timing>
 </p:sld>
 </file>
 
@@ -7421,6 +7589,13 @@
   <p:clrMapOvr>
     <a:masterClrMapping/>
   </p:clrMapOvr>
+  <p:timing>
+    <p:tnLst>
+      <p:par>
+        <p:cTn id="1" dur="indefinite" restart="never" nodeType="tmRoot"/>
+      </p:par>
+    </p:tnLst>
+  </p:timing>
 </p:sld>
 </file>
 
@@ -7556,6 +7731,13 @@
   <p:clrMapOvr>
     <a:masterClrMapping/>
   </p:clrMapOvr>
+  <p:timing>
+    <p:tnLst>
+      <p:par>
+        <p:cTn id="1" dur="indefinite" restart="never" nodeType="tmRoot"/>
+      </p:par>
+    </p:tnLst>
+  </p:timing>
 </p:sld>
 </file>
 
@@ -7734,6 +7916,13 @@
   <p:clrMapOvr>
     <a:masterClrMapping/>
   </p:clrMapOvr>
+  <p:timing>
+    <p:tnLst>
+      <p:par>
+        <p:cTn id="1" dur="indefinite" restart="never" nodeType="tmRoot"/>
+      </p:par>
+    </p:tnLst>
+  </p:timing>
 </p:sld>
 </file>
 
@@ -7802,11 +7991,15 @@
             </a:r>
             <a:r>
               <a:rPr lang="fr-FR" dirty="0" err="1" smtClean="0"/>
-              <a:t>iterator</a:t>
-            </a:r>
-            <a:r>
-              <a:rPr lang="fr-FR" dirty="0" smtClean="0"/>
-              <a:t> ne sont pas </a:t>
+              <a:t>iterators</a:t>
+            </a:r>
+            <a:r>
+              <a:rPr lang="fr-FR" dirty="0" smtClean="0"/>
+              <a:t> </a:t>
+            </a:r>
+            <a:r>
+              <a:rPr lang="fr-FR" dirty="0" smtClean="0"/>
+              <a:t>ne sont pas </a:t>
             </a:r>
             <a:r>
               <a:rPr lang="fr-FR" dirty="0" err="1" smtClean="0"/>
@@ -7854,6 +8047,13 @@
   <p:clrMapOvr>
     <a:masterClrMapping/>
   </p:clrMapOvr>
+  <p:timing>
+    <p:tnLst>
+      <p:par>
+        <p:cTn id="1" dur="indefinite" restart="never" nodeType="tmRoot"/>
+      </p:par>
+    </p:tnLst>
+  </p:timing>
 </p:sld>
 </file>
 
@@ -7980,6 +8180,13 @@
   <p:clrMapOvr>
     <a:masterClrMapping/>
   </p:clrMapOvr>
+  <p:timing>
+    <p:tnLst>
+      <p:par>
+        <p:cTn id="1" dur="indefinite" restart="never" nodeType="tmRoot"/>
+      </p:par>
+    </p:tnLst>
+  </p:timing>
 </p:sld>
 </file>
 
@@ -8110,6 +8317,13 @@
   <p:clrMapOvr>
     <a:masterClrMapping/>
   </p:clrMapOvr>
+  <p:timing>
+    <p:tnLst>
+      <p:par>
+        <p:cTn id="1" dur="indefinite" restart="never" nodeType="tmRoot"/>
+      </p:par>
+    </p:tnLst>
+  </p:timing>
 </p:sld>
 </file>
 
@@ -8187,6 +8401,13 @@
   <p:clrMapOvr>
     <a:masterClrMapping/>
   </p:clrMapOvr>
+  <p:timing>
+    <p:tnLst>
+      <p:par>
+        <p:cTn id="1" dur="indefinite" restart="never" nodeType="tmRoot"/>
+      </p:par>
+    </p:tnLst>
+  </p:timing>
 </p:sld>
 </file>
 
@@ -8339,6 +8560,13 @@
   <p:clrMapOvr>
     <a:masterClrMapping/>
   </p:clrMapOvr>
+  <p:timing>
+    <p:tnLst>
+      <p:par>
+        <p:cTn id="1" dur="indefinite" restart="never" nodeType="tmRoot"/>
+      </p:par>
+    </p:tnLst>
+  </p:timing>
 </p:sld>
 </file>
 
@@ -8464,6 +8692,13 @@
   <p:clrMapOvr>
     <a:masterClrMapping/>
   </p:clrMapOvr>
+  <p:timing>
+    <p:tnLst>
+      <p:par>
+        <p:cTn id="1" dur="indefinite" restart="never" nodeType="tmRoot"/>
+      </p:par>
+    </p:tnLst>
+  </p:timing>
 </p:sld>
 </file>
 
@@ -8630,6 +8865,13 @@
   <p:clrMapOvr>
     <a:masterClrMapping/>
   </p:clrMapOvr>
+  <p:timing>
+    <p:tnLst>
+      <p:par>
+        <p:cTn id="1" dur="indefinite" restart="never" nodeType="tmRoot"/>
+      </p:par>
+    </p:tnLst>
+  </p:timing>
 </p:sld>
 </file>
 
@@ -8832,6 +9074,13 @@
   <p:clrMapOvr>
     <a:masterClrMapping/>
   </p:clrMapOvr>
+  <p:timing>
+    <p:tnLst>
+      <p:par>
+        <p:cTn id="1" dur="indefinite" restart="never" nodeType="tmRoot"/>
+      </p:par>
+    </p:tnLst>
+  </p:timing>
 </p:sld>
 </file>
 
@@ -9049,6 +9298,13 @@
   <p:clrMapOvr>
     <a:masterClrMapping/>
   </p:clrMapOvr>
+  <p:timing>
+    <p:tnLst>
+      <p:par>
+        <p:cTn id="1" dur="indefinite" restart="never" nodeType="tmRoot"/>
+      </p:par>
+    </p:tnLst>
+  </p:timing>
 </p:sld>
 </file>
 
@@ -9192,6 +9448,13 @@
   <p:clrMapOvr>
     <a:masterClrMapping/>
   </p:clrMapOvr>
+  <p:timing>
+    <p:tnLst>
+      <p:par>
+        <p:cTn id="1" dur="indefinite" restart="never" nodeType="tmRoot"/>
+      </p:par>
+    </p:tnLst>
+  </p:timing>
 </p:sld>
 </file>
 
@@ -9290,6 +9553,13 @@
   <p:clrMapOvr>
     <a:masterClrMapping/>
   </p:clrMapOvr>
+  <p:timing>
+    <p:tnLst>
+      <p:par>
+        <p:cTn id="1" dur="indefinite" restart="never" nodeType="tmRoot"/>
+      </p:par>
+    </p:tnLst>
+  </p:timing>
 </p:sld>
 </file>
 
